--- a/docs/diagrams/vCardClassDiagram.pptx
+++ b/docs/diagrams/vCardClassDiagram.pptx
@@ -296,6 +296,270 @@
       </pc:sldChg>
     </pc:docChg>
   </pc:docChgLst>
+  <pc:docChgLst>
+    <pc:chgData name="Conant Teo" userId="2226ff156c5d05a8" providerId="LiveId" clId="{13894ED7-C1C5-4565-9ABC-3948C7BAF7F8}"/>
+    <pc:docChg chg="undo custSel modSld">
+      <pc:chgData name="Conant Teo" userId="2226ff156c5d05a8" providerId="LiveId" clId="{13894ED7-C1C5-4565-9ABC-3948C7BAF7F8}" dt="2017-11-13T07:56:11.060" v="55" actId="1076"/>
+      <pc:docMkLst>
+        <pc:docMk/>
+      </pc:docMkLst>
+      <pc:sldChg chg="addSp delSp modSp">
+        <pc:chgData name="Conant Teo" userId="2226ff156c5d05a8" providerId="LiveId" clId="{13894ED7-C1C5-4565-9ABC-3948C7BAF7F8}" dt="2017-11-13T07:56:11.060" v="55" actId="1076"/>
+        <pc:sldMkLst>
+          <pc:docMk/>
+          <pc:sldMk cId="2396968029" sldId="263"/>
+        </pc:sldMkLst>
+        <pc:spChg chg="mod">
+          <ac:chgData name="Conant Teo" userId="2226ff156c5d05a8" providerId="LiveId" clId="{13894ED7-C1C5-4565-9ABC-3948C7BAF7F8}" dt="2017-11-13T07:56:11.060" v="55" actId="1076"/>
+          <ac:spMkLst>
+            <pc:docMk/>
+            <pc:sldMk cId="2396968029" sldId="263"/>
+            <ac:spMk id="19" creationId="{4091AB90-790B-4251-B1BC-D9175CA31101}"/>
+          </ac:spMkLst>
+        </pc:spChg>
+        <pc:spChg chg="add mod">
+          <ac:chgData name="Conant Teo" userId="2226ff156c5d05a8" providerId="LiveId" clId="{13894ED7-C1C5-4565-9ABC-3948C7BAF7F8}" dt="2017-11-13T07:54:25.869" v="31" actId="14100"/>
+          <ac:spMkLst>
+            <pc:docMk/>
+            <pc:sldMk cId="2396968029" sldId="263"/>
+            <ac:spMk id="21" creationId="{CCACE367-7182-45A7-A75F-39C1161FD7DD}"/>
+          </ac:spMkLst>
+        </pc:spChg>
+        <pc:spChg chg="add del mod">
+          <ac:chgData name="Conant Teo" userId="2226ff156c5d05a8" providerId="LiveId" clId="{13894ED7-C1C5-4565-9ABC-3948C7BAF7F8}" dt="2017-11-13T07:55:12.758" v="39" actId="478"/>
+          <ac:spMkLst>
+            <pc:docMk/>
+            <pc:sldMk cId="2396968029" sldId="263"/>
+            <ac:spMk id="22" creationId="{00DD2DB3-1441-4692-8385-0907EEEFBE01}"/>
+          </ac:spMkLst>
+        </pc:spChg>
+        <pc:spChg chg="add mod">
+          <ac:chgData name="Conant Teo" userId="2226ff156c5d05a8" providerId="LiveId" clId="{13894ED7-C1C5-4565-9ABC-3948C7BAF7F8}" dt="2017-11-13T07:54:41.128" v="33" actId="1076"/>
+          <ac:spMkLst>
+            <pc:docMk/>
+            <pc:sldMk cId="2396968029" sldId="263"/>
+            <ac:spMk id="24" creationId="{7D697207-1217-4BBF-A076-5B48B02C4AEB}"/>
+          </ac:spMkLst>
+        </pc:spChg>
+        <pc:spChg chg="add mod">
+          <ac:chgData name="Conant Teo" userId="2226ff156c5d05a8" providerId="LiveId" clId="{13894ED7-C1C5-4565-9ABC-3948C7BAF7F8}" dt="2017-11-13T07:54:33.387" v="32" actId="1076"/>
+          <ac:spMkLst>
+            <pc:docMk/>
+            <pc:sldMk cId="2396968029" sldId="263"/>
+            <ac:spMk id="26" creationId="{3A6531E9-5908-4153-90C8-6FC618B82352}"/>
+          </ac:spMkLst>
+        </pc:spChg>
+        <pc:spChg chg="add mod">
+          <ac:chgData name="Conant Teo" userId="2226ff156c5d05a8" providerId="LiveId" clId="{13894ED7-C1C5-4565-9ABC-3948C7BAF7F8}" dt="2017-11-13T07:54:49.870" v="34" actId="1076"/>
+          <ac:spMkLst>
+            <pc:docMk/>
+            <pc:sldMk cId="2396968029" sldId="263"/>
+            <ac:spMk id="28" creationId="{1B332332-012A-4414-BB02-92982A57E2F6}"/>
+          </ac:spMkLst>
+        </pc:spChg>
+        <pc:spChg chg="add mod">
+          <ac:chgData name="Conant Teo" userId="2226ff156c5d05a8" providerId="LiveId" clId="{13894ED7-C1C5-4565-9ABC-3948C7BAF7F8}" dt="2017-11-13T07:54:57.303" v="35" actId="1076"/>
+          <ac:spMkLst>
+            <pc:docMk/>
+            <pc:sldMk cId="2396968029" sldId="263"/>
+            <ac:spMk id="30" creationId="{8ADE852A-6D50-4B5C-87B0-D34C0F9CE1B7}"/>
+          </ac:spMkLst>
+        </pc:spChg>
+        <pc:spChg chg="add mod">
+          <ac:chgData name="Conant Teo" userId="2226ff156c5d05a8" providerId="LiveId" clId="{13894ED7-C1C5-4565-9ABC-3948C7BAF7F8}" dt="2017-11-13T07:55:21.046" v="41" actId="14100"/>
+          <ac:spMkLst>
+            <pc:docMk/>
+            <pc:sldMk cId="2396968029" sldId="263"/>
+            <ac:spMk id="32" creationId="{43C2640B-5462-40A8-8176-686CD8C67809}"/>
+          </ac:spMkLst>
+        </pc:spChg>
+        <pc:spChg chg="add mod">
+          <ac:chgData name="Conant Teo" userId="2226ff156c5d05a8" providerId="LiveId" clId="{13894ED7-C1C5-4565-9ABC-3948C7BAF7F8}" dt="2017-11-13T07:55:11.076" v="38" actId="1076"/>
+          <ac:spMkLst>
+            <pc:docMk/>
+            <pc:sldMk cId="2396968029" sldId="263"/>
+            <ac:spMk id="34" creationId="{CF3384B6-E65B-486D-9186-E82BA69D46E1}"/>
+          </ac:spMkLst>
+        </pc:spChg>
+        <pc:spChg chg="add mod">
+          <ac:chgData name="Conant Teo" userId="2226ff156c5d05a8" providerId="LiveId" clId="{13894ED7-C1C5-4565-9ABC-3948C7BAF7F8}" dt="2017-11-13T07:55:05.353" v="37" actId="14100"/>
+          <ac:spMkLst>
+            <pc:docMk/>
+            <pc:sldMk cId="2396968029" sldId="263"/>
+            <ac:spMk id="35" creationId="{367E478C-D8C2-4FBE-94AB-0F4BEF679BF9}"/>
+          </ac:spMkLst>
+        </pc:spChg>
+        <pc:spChg chg="add del mod">
+          <ac:chgData name="Conant Teo" userId="2226ff156c5d05a8" providerId="LiveId" clId="{13894ED7-C1C5-4565-9ABC-3948C7BAF7F8}" dt="2017-11-13T07:52:07.721" v="2" actId="478"/>
+          <ac:spMkLst>
+            <pc:docMk/>
+            <pc:sldMk cId="2396968029" sldId="263"/>
+            <ac:spMk id="38" creationId="{4EF05720-9C2B-413A-AD3F-4002B457C2FF}"/>
+          </ac:spMkLst>
+        </pc:spChg>
+        <pc:spChg chg="del">
+          <ac:chgData name="Conant Teo" userId="2226ff156c5d05a8" providerId="LiveId" clId="{13894ED7-C1C5-4565-9ABC-3948C7BAF7F8}" dt="2017-11-13T07:52:25.413" v="7" actId="478"/>
+          <ac:spMkLst>
+            <pc:docMk/>
+            <pc:sldMk cId="2396968029" sldId="263"/>
+            <ac:spMk id="55" creationId="{CCCCA75C-64A3-412F-A7C9-C2A7936CC7DC}"/>
+          </ac:spMkLst>
+        </pc:spChg>
+        <pc:spChg chg="del">
+          <ac:chgData name="Conant Teo" userId="2226ff156c5d05a8" providerId="LiveId" clId="{13894ED7-C1C5-4565-9ABC-3948C7BAF7F8}" dt="2017-11-13T07:52:25.413" v="7" actId="478"/>
+          <ac:spMkLst>
+            <pc:docMk/>
+            <pc:sldMk cId="2396968029" sldId="263"/>
+            <ac:spMk id="76" creationId="{00000000-0000-0000-0000-000000000000}"/>
+          </ac:spMkLst>
+        </pc:spChg>
+        <pc:spChg chg="add del">
+          <ac:chgData name="Conant Teo" userId="2226ff156c5d05a8" providerId="LiveId" clId="{13894ED7-C1C5-4565-9ABC-3948C7BAF7F8}" dt="2017-11-13T07:52:54.312" v="12" actId="478"/>
+          <ac:spMkLst>
+            <pc:docMk/>
+            <pc:sldMk cId="2396968029" sldId="263"/>
+            <ac:spMk id="78" creationId="{00000000-0000-0000-0000-000000000000}"/>
+          </ac:spMkLst>
+        </pc:spChg>
+        <pc:spChg chg="del">
+          <ac:chgData name="Conant Teo" userId="2226ff156c5d05a8" providerId="LiveId" clId="{13894ED7-C1C5-4565-9ABC-3948C7BAF7F8}" dt="2017-11-13T07:52:25.413" v="7" actId="478"/>
+          <ac:spMkLst>
+            <pc:docMk/>
+            <pc:sldMk cId="2396968029" sldId="263"/>
+            <ac:spMk id="80" creationId="{00000000-0000-0000-0000-000000000000}"/>
+          </ac:spMkLst>
+        </pc:spChg>
+        <pc:spChg chg="del">
+          <ac:chgData name="Conant Teo" userId="2226ff156c5d05a8" providerId="LiveId" clId="{13894ED7-C1C5-4565-9ABC-3948C7BAF7F8}" dt="2017-11-13T07:52:25.413" v="7" actId="478"/>
+          <ac:spMkLst>
+            <pc:docMk/>
+            <pc:sldMk cId="2396968029" sldId="263"/>
+            <ac:spMk id="83" creationId="{00000000-0000-0000-0000-000000000000}"/>
+          </ac:spMkLst>
+        </pc:spChg>
+        <pc:spChg chg="del">
+          <ac:chgData name="Conant Teo" userId="2226ff156c5d05a8" providerId="LiveId" clId="{13894ED7-C1C5-4565-9ABC-3948C7BAF7F8}" dt="2017-11-13T07:52:25.413" v="7" actId="478"/>
+          <ac:spMkLst>
+            <pc:docMk/>
+            <pc:sldMk cId="2396968029" sldId="263"/>
+            <ac:spMk id="85" creationId="{00000000-0000-0000-0000-000000000000}"/>
+          </ac:spMkLst>
+        </pc:spChg>
+        <pc:cxnChg chg="add mod">
+          <ac:chgData name="Conant Teo" userId="2226ff156c5d05a8" providerId="LiveId" clId="{13894ED7-C1C5-4565-9ABC-3948C7BAF7F8}" dt="2017-11-13T07:55:57.391" v="51" actId="14100"/>
+          <ac:cxnSpMkLst>
+            <pc:docMk/>
+            <pc:sldMk cId="2396968029" sldId="263"/>
+            <ac:cxnSpMk id="23" creationId="{B5F8090D-9E9A-4C3B-8556-075EB0CF7FD9}"/>
+          </ac:cxnSpMkLst>
+        </pc:cxnChg>
+        <pc:cxnChg chg="add del mod">
+          <ac:chgData name="Conant Teo" userId="2226ff156c5d05a8" providerId="LiveId" clId="{13894ED7-C1C5-4565-9ABC-3948C7BAF7F8}" dt="2017-11-13T07:53:43.467" v="20" actId="478"/>
+          <ac:cxnSpMkLst>
+            <pc:docMk/>
+            <pc:sldMk cId="2396968029" sldId="263"/>
+            <ac:cxnSpMk id="25" creationId="{A893E3F4-6277-4CE4-A698-B92AE3678BB1}"/>
+          </ac:cxnSpMkLst>
+        </pc:cxnChg>
+        <pc:cxnChg chg="add del mod">
+          <ac:chgData name="Conant Teo" userId="2226ff156c5d05a8" providerId="LiveId" clId="{13894ED7-C1C5-4565-9ABC-3948C7BAF7F8}" dt="2017-11-13T07:53:45.530" v="21" actId="478"/>
+          <ac:cxnSpMkLst>
+            <pc:docMk/>
+            <pc:sldMk cId="2396968029" sldId="263"/>
+            <ac:cxnSpMk id="27" creationId="{4994C099-B899-4EC6-A4F4-D83329AA3730}"/>
+          </ac:cxnSpMkLst>
+        </pc:cxnChg>
+        <pc:cxnChg chg="add mod">
+          <ac:chgData name="Conant Teo" userId="2226ff156c5d05a8" providerId="LiveId" clId="{13894ED7-C1C5-4565-9ABC-3948C7BAF7F8}" dt="2017-11-13T07:56:05.108" v="54" actId="14100"/>
+          <ac:cxnSpMkLst>
+            <pc:docMk/>
+            <pc:sldMk cId="2396968029" sldId="263"/>
+            <ac:cxnSpMk id="29" creationId="{4D5DFD78-D128-463D-AC34-E35E9D9823B7}"/>
+          </ac:cxnSpMkLst>
+        </pc:cxnChg>
+        <pc:cxnChg chg="add del mod">
+          <ac:chgData name="Conant Teo" userId="2226ff156c5d05a8" providerId="LiveId" clId="{13894ED7-C1C5-4565-9ABC-3948C7BAF7F8}" dt="2017-11-13T07:53:48.492" v="23" actId="478"/>
+          <ac:cxnSpMkLst>
+            <pc:docMk/>
+            <pc:sldMk cId="2396968029" sldId="263"/>
+            <ac:cxnSpMk id="31" creationId="{DAA54341-1CC4-4204-8C44-7C4DDB55B375}"/>
+          </ac:cxnSpMkLst>
+        </pc:cxnChg>
+        <pc:cxnChg chg="add del mod">
+          <ac:chgData name="Conant Teo" userId="2226ff156c5d05a8" providerId="LiveId" clId="{13894ED7-C1C5-4565-9ABC-3948C7BAF7F8}" dt="2017-11-13T07:53:47.078" v="22" actId="478"/>
+          <ac:cxnSpMkLst>
+            <pc:docMk/>
+            <pc:sldMk cId="2396968029" sldId="263"/>
+            <ac:cxnSpMk id="33" creationId="{5D034DD2-9BD5-47EF-B523-C30CF3BBED1F}"/>
+          </ac:cxnSpMkLst>
+        </pc:cxnChg>
+        <pc:cxnChg chg="add mod">
+          <ac:chgData name="Conant Teo" userId="2226ff156c5d05a8" providerId="LiveId" clId="{13894ED7-C1C5-4565-9ABC-3948C7BAF7F8}" dt="2017-11-13T07:52:15.626" v="4" actId="1076"/>
+          <ac:cxnSpMkLst>
+            <pc:docMk/>
+            <pc:sldMk cId="2396968029" sldId="263"/>
+            <ac:cxnSpMk id="36" creationId="{EF8E8B66-4448-4CC8-8E30-3DB409830C20}"/>
+          </ac:cxnSpMkLst>
+        </pc:cxnChg>
+        <pc:cxnChg chg="add mod">
+          <ac:chgData name="Conant Teo" userId="2226ff156c5d05a8" providerId="LiveId" clId="{13894ED7-C1C5-4565-9ABC-3948C7BAF7F8}" dt="2017-11-13T07:55:49.803" v="49" actId="14100"/>
+          <ac:cxnSpMkLst>
+            <pc:docMk/>
+            <pc:sldMk cId="2396968029" sldId="263"/>
+            <ac:cxnSpMk id="37" creationId="{1C1FB392-BAB5-4C82-9385-8DBAB042E09E}"/>
+          </ac:cxnSpMkLst>
+        </pc:cxnChg>
+        <pc:cxnChg chg="add mod">
+          <ac:chgData name="Conant Teo" userId="2226ff156c5d05a8" providerId="LiveId" clId="{13894ED7-C1C5-4565-9ABC-3948C7BAF7F8}" dt="2017-11-13T07:55:40.619" v="47" actId="14100"/>
+          <ac:cxnSpMkLst>
+            <pc:docMk/>
+            <pc:sldMk cId="2396968029" sldId="263"/>
+            <ac:cxnSpMk id="65" creationId="{20B8CEC0-7681-42CC-8BF3-73ECD6D489DA}"/>
+          </ac:cxnSpMkLst>
+        </pc:cxnChg>
+        <pc:cxnChg chg="add del mod">
+          <ac:chgData name="Conant Teo" userId="2226ff156c5d05a8" providerId="LiveId" clId="{13894ED7-C1C5-4565-9ABC-3948C7BAF7F8}" dt="2017-11-13T07:55:29.595" v="42" actId="14100"/>
+          <ac:cxnSpMkLst>
+            <pc:docMk/>
+            <pc:sldMk cId="2396968029" sldId="263"/>
+            <ac:cxnSpMk id="77" creationId="{5AE0F7C1-BFB4-45AE-A5DA-B5EB2E54D229}"/>
+          </ac:cxnSpMkLst>
+        </pc:cxnChg>
+        <pc:cxnChg chg="add del mod">
+          <ac:chgData name="Conant Teo" userId="2226ff156c5d05a8" providerId="LiveId" clId="{13894ED7-C1C5-4565-9ABC-3948C7BAF7F8}" dt="2017-11-13T07:54:25.869" v="31" actId="14100"/>
+          <ac:cxnSpMkLst>
+            <pc:docMk/>
+            <pc:sldMk cId="2396968029" sldId="263"/>
+            <ac:cxnSpMk id="79" creationId="{00000000-0000-0000-0000-000000000000}"/>
+          </ac:cxnSpMkLst>
+        </pc:cxnChg>
+        <pc:cxnChg chg="add del mod">
+          <ac:chgData name="Conant Teo" userId="2226ff156c5d05a8" providerId="LiveId" clId="{13894ED7-C1C5-4565-9ABC-3948C7BAF7F8}" dt="2017-11-13T07:54:41.128" v="33" actId="1076"/>
+          <ac:cxnSpMkLst>
+            <pc:docMk/>
+            <pc:sldMk cId="2396968029" sldId="263"/>
+            <ac:cxnSpMk id="81" creationId="{00000000-0000-0000-0000-000000000000}"/>
+          </ac:cxnSpMkLst>
+        </pc:cxnChg>
+        <pc:cxnChg chg="add del mod">
+          <ac:chgData name="Conant Teo" userId="2226ff156c5d05a8" providerId="LiveId" clId="{13894ED7-C1C5-4565-9ABC-3948C7BAF7F8}" dt="2017-11-13T07:54:03.778" v="28" actId="478"/>
+          <ac:cxnSpMkLst>
+            <pc:docMk/>
+            <pc:sldMk cId="2396968029" sldId="263"/>
+            <ac:cxnSpMk id="84" creationId="{00000000-0000-0000-0000-000000000000}"/>
+          </ac:cxnSpMkLst>
+        </pc:cxnChg>
+        <pc:cxnChg chg="add del mod">
+          <ac:chgData name="Conant Teo" userId="2226ff156c5d05a8" providerId="LiveId" clId="{13894ED7-C1C5-4565-9ABC-3948C7BAF7F8}" dt="2017-11-13T07:54:33.387" v="32" actId="1076"/>
+          <ac:cxnSpMkLst>
+            <pc:docMk/>
+            <pc:sldMk cId="2396968029" sldId="263"/>
+            <ac:cxnSpMk id="86" creationId="{00000000-0000-0000-0000-000000000000}"/>
+          </ac:cxnSpMkLst>
+        </pc:cxnChg>
+      </pc:sldChg>
+    </pc:docChg>
+  </pc:docChgLst>
 </pc:chgInfo>
 </file>
 
@@ -381,7 +645,7 @@
           <a:p>
             <a:fld id="{F5CC4B3F-88C1-4FFA-B1B6-F41C21DC6924}" type="datetimeFigureOut">
               <a:rPr lang="en-US" smtClean="0"/>
-              <a:t>11/11/2017</a:t>
+              <a:t>11/13/2017</a:t>
             </a:fld>
             <a:endParaRPr lang="en-US"/>
           </a:p>
@@ -827,7 +1091,7 @@
           <a:p>
             <a:fld id="{78C97017-6FC3-485B-9764-EAC9E56C1D49}" type="datetimeFigureOut">
               <a:rPr lang="en-US" smtClean="0"/>
-              <a:t>11/11/2017</a:t>
+              <a:t>11/13/2017</a:t>
             </a:fld>
             <a:endParaRPr lang="en-US"/>
           </a:p>
@@ -995,7 +1259,7 @@
           <a:p>
             <a:fld id="{78C97017-6FC3-485B-9764-EAC9E56C1D49}" type="datetimeFigureOut">
               <a:rPr lang="en-US" smtClean="0"/>
-              <a:t>11/11/2017</a:t>
+              <a:t>11/13/2017</a:t>
             </a:fld>
             <a:endParaRPr lang="en-US"/>
           </a:p>
@@ -1173,7 +1437,7 @@
           <a:p>
             <a:fld id="{78C97017-6FC3-485B-9764-EAC9E56C1D49}" type="datetimeFigureOut">
               <a:rPr lang="en-US" smtClean="0"/>
-              <a:t>11/11/2017</a:t>
+              <a:t>11/13/2017</a:t>
             </a:fld>
             <a:endParaRPr lang="en-US"/>
           </a:p>
@@ -1341,7 +1605,7 @@
           <a:p>
             <a:fld id="{78C97017-6FC3-485B-9764-EAC9E56C1D49}" type="datetimeFigureOut">
               <a:rPr lang="en-US" smtClean="0"/>
-              <a:t>11/11/2017</a:t>
+              <a:t>11/13/2017</a:t>
             </a:fld>
             <a:endParaRPr lang="en-US"/>
           </a:p>
@@ -1586,7 +1850,7 @@
           <a:p>
             <a:fld id="{78C97017-6FC3-485B-9764-EAC9E56C1D49}" type="datetimeFigureOut">
               <a:rPr lang="en-US" smtClean="0"/>
-              <a:t>11/11/2017</a:t>
+              <a:t>11/13/2017</a:t>
             </a:fld>
             <a:endParaRPr lang="en-US"/>
           </a:p>
@@ -1871,7 +2135,7 @@
           <a:p>
             <a:fld id="{78C97017-6FC3-485B-9764-EAC9E56C1D49}" type="datetimeFigureOut">
               <a:rPr lang="en-US" smtClean="0"/>
-              <a:t>11/11/2017</a:t>
+              <a:t>11/13/2017</a:t>
             </a:fld>
             <a:endParaRPr lang="en-US"/>
           </a:p>
@@ -2290,7 +2554,7 @@
           <a:p>
             <a:fld id="{78C97017-6FC3-485B-9764-EAC9E56C1D49}" type="datetimeFigureOut">
               <a:rPr lang="en-US" smtClean="0"/>
-              <a:t>11/11/2017</a:t>
+              <a:t>11/13/2017</a:t>
             </a:fld>
             <a:endParaRPr lang="en-US"/>
           </a:p>
@@ -2407,7 +2671,7 @@
           <a:p>
             <a:fld id="{78C97017-6FC3-485B-9764-EAC9E56C1D49}" type="datetimeFigureOut">
               <a:rPr lang="en-US" smtClean="0"/>
-              <a:t>11/11/2017</a:t>
+              <a:t>11/13/2017</a:t>
             </a:fld>
             <a:endParaRPr lang="en-US"/>
           </a:p>
@@ -2502,7 +2766,7 @@
           <a:p>
             <a:fld id="{78C97017-6FC3-485B-9764-EAC9E56C1D49}" type="datetimeFigureOut">
               <a:rPr lang="en-US" smtClean="0"/>
-              <a:t>11/11/2017</a:t>
+              <a:t>11/13/2017</a:t>
             </a:fld>
             <a:endParaRPr lang="en-US"/>
           </a:p>
@@ -2777,7 +3041,7 @@
           <a:p>
             <a:fld id="{78C97017-6FC3-485B-9764-EAC9E56C1D49}" type="datetimeFigureOut">
               <a:rPr lang="en-US" smtClean="0"/>
-              <a:t>11/11/2017</a:t>
+              <a:t>11/13/2017</a:t>
             </a:fld>
             <a:endParaRPr lang="en-US"/>
           </a:p>
@@ -3029,7 +3293,7 @@
           <a:p>
             <a:fld id="{78C97017-6FC3-485B-9764-EAC9E56C1D49}" type="datetimeFigureOut">
               <a:rPr lang="en-US" smtClean="0"/>
-              <a:t>11/11/2017</a:t>
+              <a:t>11/13/2017</a:t>
             </a:fld>
             <a:endParaRPr lang="en-US"/>
           </a:p>
@@ -3240,7 +3504,7 @@
           <a:p>
             <a:fld id="{78C97017-6FC3-485B-9764-EAC9E56C1D49}" type="datetimeFigureOut">
               <a:rPr lang="en-US" smtClean="0"/>
-              <a:t>11/11/2017</a:t>
+              <a:t>11/13/2017</a:t>
             </a:fld>
             <a:endParaRPr lang="en-US"/>
           </a:p>
@@ -3629,7 +3893,7 @@
         </p:nvSpPr>
         <p:spPr>
           <a:xfrm>
-            <a:off x="2888564" y="1559487"/>
+            <a:off x="3124200" y="1389662"/>
             <a:ext cx="3505200" cy="3059747"/>
           </a:xfrm>
           <a:prstGeom prst="roundRect">
@@ -3732,62 +3996,6 @@
       </p:sp>
       <p:sp>
         <p:nvSpPr>
-          <p:cNvPr id="76" name="Rectangle 8"/>
-          <p:cNvSpPr/>
-          <p:nvPr/>
-        </p:nvSpPr>
-        <p:spPr>
-          <a:xfrm>
-            <a:off x="5311614" y="2691413"/>
-            <a:ext cx="708186" cy="285783"/>
-          </a:xfrm>
-          <a:prstGeom prst="rect">
-            <a:avLst/>
-          </a:prstGeom>
-          <a:ln w="19050">
-            <a:solidFill>
-              <a:srgbClr val="7030A0"/>
-            </a:solidFill>
-          </a:ln>
-          <a:effectLst/>
-        </p:spPr>
-        <p:style>
-          <a:lnRef idx="1">
-            <a:schemeClr val="accent4"/>
-          </a:lnRef>
-          <a:fillRef idx="2">
-            <a:schemeClr val="accent4"/>
-          </a:fillRef>
-          <a:effectRef idx="1">
-            <a:schemeClr val="accent4"/>
-          </a:effectRef>
-          <a:fontRef idx="minor">
-            <a:schemeClr val="dk1"/>
-          </a:fontRef>
-        </p:style>
-        <p:txBody>
-          <a:bodyPr rtlCol="0" anchor="ctr"/>
-          <a:lstStyle/>
-          <a:p>
-            <a:pPr algn="ctr"/>
-            <a:r>
-              <a:rPr lang="en-US" sz="1050" dirty="0">
-                <a:solidFill>
-                  <a:srgbClr val="7030A0"/>
-                </a:solidFill>
-              </a:rPr>
-              <a:t>Name</a:t>
-            </a:r>
-            <a:endParaRPr lang="en-SG" sz="1050" dirty="0">
-              <a:solidFill>
-                <a:srgbClr val="7030A0"/>
-              </a:solidFill>
-            </a:endParaRPr>
-          </a:p>
-        </p:txBody>
-      </p:sp>
-      <p:sp>
-        <p:nvSpPr>
           <p:cNvPr id="78" name="Flowchart: Decision 96"/>
           <p:cNvSpPr/>
           <p:nvPr/>
@@ -3839,14 +4047,14 @@
           <p:cNvCxnSpPr>
             <a:cxnSpLocks/>
             <a:stCxn id="78" idx="3"/>
-            <a:endCxn id="76" idx="1"/>
+            <a:endCxn id="21" idx="1"/>
           </p:cNvCxnSpPr>
           <p:nvPr/>
         </p:nvCxnSpPr>
         <p:spPr>
           <a:xfrm flipV="1">
-            <a:off x="4877212" y="2834305"/>
-            <a:ext cx="434402" cy="653360"/>
+            <a:off x="4877212" y="1864993"/>
+            <a:ext cx="532987" cy="1622672"/>
           </a:xfrm>
           <a:prstGeom prst="bentConnector3">
             <a:avLst/>
@@ -3875,76 +4083,64 @@
           </a:fontRef>
         </p:style>
       </p:cxnSp>
-      <p:sp>
-        <p:nvSpPr>
-          <p:cNvPr id="80" name="Rectangle 8"/>
-          <p:cNvSpPr/>
-          <p:nvPr/>
-        </p:nvSpPr>
-        <p:spPr>
-          <a:xfrm>
-            <a:off x="5311614" y="3014391"/>
-            <a:ext cx="708186" cy="285783"/>
-          </a:xfrm>
-          <a:prstGeom prst="rect">
-            <a:avLst/>
-          </a:prstGeom>
-          <a:ln w="19050">
-            <a:solidFill>
-              <a:srgbClr val="7030A0"/>
-            </a:solidFill>
-          </a:ln>
-          <a:effectLst/>
-        </p:spPr>
-        <p:style>
-          <a:lnRef idx="1">
-            <a:schemeClr val="accent4"/>
-          </a:lnRef>
-          <a:fillRef idx="2">
-            <a:schemeClr val="accent4"/>
-          </a:fillRef>
-          <a:effectRef idx="1">
-            <a:schemeClr val="accent4"/>
-          </a:effectRef>
-          <a:fontRef idx="minor">
-            <a:schemeClr val="dk1"/>
-          </a:fontRef>
-        </p:style>
-        <p:txBody>
-          <a:bodyPr rtlCol="0" anchor="ctr"/>
-          <a:lstStyle/>
-          <a:p>
-            <a:pPr algn="ctr"/>
-            <a:r>
-              <a:rPr lang="en-US" sz="1050" dirty="0">
-                <a:solidFill>
-                  <a:srgbClr val="7030A0"/>
-                </a:solidFill>
-              </a:rPr>
-              <a:t>Phone</a:t>
-            </a:r>
-            <a:endParaRPr lang="en-SG" sz="1050" dirty="0">
-              <a:solidFill>
-                <a:srgbClr val="7030A0"/>
-              </a:solidFill>
-            </a:endParaRPr>
-          </a:p>
-        </p:txBody>
-      </p:sp>
       <p:cxnSp>
         <p:nvCxnSpPr>
           <p:cNvPr id="81" name="Elbow Connector 80"/>
           <p:cNvCxnSpPr>
             <a:cxnSpLocks/>
             <a:stCxn id="78" idx="3"/>
-            <a:endCxn id="80" idx="1"/>
+            <a:endCxn id="24" idx="1"/>
           </p:cNvCxnSpPr>
           <p:nvPr/>
         </p:nvCxnSpPr>
         <p:spPr>
           <a:xfrm flipV="1">
-            <a:off x="4877212" y="3157283"/>
-            <a:ext cx="434402" cy="330382"/>
+            <a:off x="4877212" y="2189417"/>
+            <a:ext cx="524473" cy="1298248"/>
+          </a:xfrm>
+          <a:prstGeom prst="bentConnector3">
+            <a:avLst>
+              <a:gd name="adj1" fmla="val 50000"/>
+            </a:avLst>
+          </a:prstGeom>
+          <a:ln w="19050">
+            <a:solidFill>
+              <a:srgbClr val="7030A0"/>
+            </a:solidFill>
+            <a:headEnd type="none" w="med" len="med"/>
+            <a:tailEnd type="arrow" w="med" len="med"/>
+          </a:ln>
+          <a:effectLst/>
+        </p:spPr>
+        <p:style>
+          <a:lnRef idx="1">
+            <a:schemeClr val="accent2"/>
+          </a:lnRef>
+          <a:fillRef idx="2">
+            <a:schemeClr val="accent2"/>
+          </a:fillRef>
+          <a:effectRef idx="1">
+            <a:schemeClr val="accent2"/>
+          </a:effectRef>
+          <a:fontRef idx="minor">
+            <a:schemeClr val="dk1"/>
+          </a:fontRef>
+        </p:style>
+      </p:cxnSp>
+      <p:cxnSp>
+        <p:nvCxnSpPr>
+          <p:cNvPr id="86" name="Elbow Connector 85"/>
+          <p:cNvCxnSpPr>
+            <a:cxnSpLocks/>
+            <a:stCxn id="78" idx="3"/>
+            <a:endCxn id="26" idx="1"/>
+          </p:cNvCxnSpPr>
+          <p:nvPr/>
+        </p:nvCxnSpPr>
+        <p:spPr>
+          <a:xfrm flipV="1">
+            <a:off x="4877212" y="2501637"/>
+            <a:ext cx="524472" cy="986028"/>
           </a:xfrm>
           <a:prstGeom prst="bentConnector3">
             <a:avLst/>
@@ -3973,263 +4169,6 @@
           </a:fontRef>
         </p:style>
       </p:cxnSp>
-      <p:sp>
-        <p:nvSpPr>
-          <p:cNvPr id="83" name="Rectangle 8"/>
-          <p:cNvSpPr/>
-          <p:nvPr/>
-        </p:nvSpPr>
-        <p:spPr>
-          <a:xfrm>
-            <a:off x="5311614" y="3337369"/>
-            <a:ext cx="708186" cy="285783"/>
-          </a:xfrm>
-          <a:prstGeom prst="rect">
-            <a:avLst/>
-          </a:prstGeom>
-          <a:ln w="19050">
-            <a:solidFill>
-              <a:srgbClr val="7030A0"/>
-            </a:solidFill>
-          </a:ln>
-          <a:effectLst/>
-        </p:spPr>
-        <p:style>
-          <a:lnRef idx="1">
-            <a:schemeClr val="accent4"/>
-          </a:lnRef>
-          <a:fillRef idx="2">
-            <a:schemeClr val="accent4"/>
-          </a:fillRef>
-          <a:effectRef idx="1">
-            <a:schemeClr val="accent4"/>
-          </a:effectRef>
-          <a:fontRef idx="minor">
-            <a:schemeClr val="dk1"/>
-          </a:fontRef>
-        </p:style>
-        <p:txBody>
-          <a:bodyPr rtlCol="0" anchor="ctr"/>
-          <a:lstStyle/>
-          <a:p>
-            <a:pPr algn="ctr"/>
-            <a:r>
-              <a:rPr lang="en-US" sz="1050" dirty="0">
-                <a:solidFill>
-                  <a:srgbClr val="7030A0"/>
-                </a:solidFill>
-              </a:rPr>
-              <a:t>Email</a:t>
-            </a:r>
-            <a:endParaRPr lang="en-SG" sz="1050" dirty="0">
-              <a:solidFill>
-                <a:srgbClr val="7030A0"/>
-              </a:solidFill>
-            </a:endParaRPr>
-          </a:p>
-        </p:txBody>
-      </p:sp>
-      <p:cxnSp>
-        <p:nvCxnSpPr>
-          <p:cNvPr id="84" name="Elbow Connector 83"/>
-          <p:cNvCxnSpPr>
-            <a:cxnSpLocks/>
-            <a:stCxn id="78" idx="3"/>
-            <a:endCxn id="83" idx="1"/>
-          </p:cNvCxnSpPr>
-          <p:nvPr/>
-        </p:nvCxnSpPr>
-        <p:spPr>
-          <a:xfrm flipV="1">
-            <a:off x="4877212" y="3480261"/>
-            <a:ext cx="434402" cy="7404"/>
-          </a:xfrm>
-          <a:prstGeom prst="bentConnector3">
-            <a:avLst/>
-          </a:prstGeom>
-          <a:ln w="19050">
-            <a:solidFill>
-              <a:srgbClr val="7030A0"/>
-            </a:solidFill>
-            <a:headEnd type="none" w="med" len="med"/>
-            <a:tailEnd type="arrow" w="med" len="med"/>
-          </a:ln>
-          <a:effectLst/>
-        </p:spPr>
-        <p:style>
-          <a:lnRef idx="1">
-            <a:schemeClr val="accent2"/>
-          </a:lnRef>
-          <a:fillRef idx="2">
-            <a:schemeClr val="accent2"/>
-          </a:fillRef>
-          <a:effectRef idx="1">
-            <a:schemeClr val="accent2"/>
-          </a:effectRef>
-          <a:fontRef idx="minor">
-            <a:schemeClr val="dk1"/>
-          </a:fontRef>
-        </p:style>
-      </p:cxnSp>
-      <p:sp>
-        <p:nvSpPr>
-          <p:cNvPr id="85" name="Rectangle 8"/>
-          <p:cNvSpPr/>
-          <p:nvPr/>
-        </p:nvSpPr>
-        <p:spPr>
-          <a:xfrm>
-            <a:off x="5311614" y="3660346"/>
-            <a:ext cx="708186" cy="285783"/>
-          </a:xfrm>
-          <a:prstGeom prst="rect">
-            <a:avLst/>
-          </a:prstGeom>
-          <a:ln w="19050">
-            <a:solidFill>
-              <a:srgbClr val="7030A0"/>
-            </a:solidFill>
-          </a:ln>
-          <a:effectLst/>
-        </p:spPr>
-        <p:style>
-          <a:lnRef idx="1">
-            <a:schemeClr val="accent4"/>
-          </a:lnRef>
-          <a:fillRef idx="2">
-            <a:schemeClr val="accent4"/>
-          </a:fillRef>
-          <a:effectRef idx="1">
-            <a:schemeClr val="accent4"/>
-          </a:effectRef>
-          <a:fontRef idx="minor">
-            <a:schemeClr val="dk1"/>
-          </a:fontRef>
-        </p:style>
-        <p:txBody>
-          <a:bodyPr rtlCol="0" anchor="ctr"/>
-          <a:lstStyle/>
-          <a:p>
-            <a:pPr algn="ctr"/>
-            <a:r>
-              <a:rPr lang="en-US" sz="1050" dirty="0">
-                <a:solidFill>
-                  <a:srgbClr val="7030A0"/>
-                </a:solidFill>
-              </a:rPr>
-              <a:t>Address</a:t>
-            </a:r>
-            <a:endParaRPr lang="en-SG" sz="1050" dirty="0">
-              <a:solidFill>
-                <a:srgbClr val="7030A0"/>
-              </a:solidFill>
-            </a:endParaRPr>
-          </a:p>
-        </p:txBody>
-      </p:sp>
-      <p:cxnSp>
-        <p:nvCxnSpPr>
-          <p:cNvPr id="86" name="Elbow Connector 85"/>
-          <p:cNvCxnSpPr>
-            <a:cxnSpLocks/>
-            <a:stCxn id="78" idx="3"/>
-          </p:cNvCxnSpPr>
-          <p:nvPr/>
-        </p:nvCxnSpPr>
-        <p:spPr>
-          <a:xfrm>
-            <a:off x="4877212" y="3487665"/>
-            <a:ext cx="434402" cy="313309"/>
-          </a:xfrm>
-          <a:prstGeom prst="bentConnector3">
-            <a:avLst/>
-          </a:prstGeom>
-          <a:ln w="19050">
-            <a:solidFill>
-              <a:srgbClr val="7030A0"/>
-            </a:solidFill>
-            <a:headEnd type="none" w="med" len="med"/>
-            <a:tailEnd type="arrow" w="med" len="med"/>
-          </a:ln>
-          <a:effectLst/>
-        </p:spPr>
-        <p:style>
-          <a:lnRef idx="1">
-            <a:schemeClr val="accent2"/>
-          </a:lnRef>
-          <a:fillRef idx="2">
-            <a:schemeClr val="accent2"/>
-          </a:fillRef>
-          <a:effectRef idx="1">
-            <a:schemeClr val="accent2"/>
-          </a:effectRef>
-          <a:fontRef idx="minor">
-            <a:schemeClr val="dk1"/>
-          </a:fontRef>
-        </p:style>
-      </p:cxnSp>
-      <p:sp>
-        <p:nvSpPr>
-          <p:cNvPr id="55" name="Rectangle 8">
-            <a:extLst>
-              <a:ext uri="{FF2B5EF4-FFF2-40B4-BE49-F238E27FC236}">
-                <a16:creationId xmlns:a16="http://schemas.microsoft.com/office/drawing/2014/main" id="{CCCCA75C-64A3-412F-A7C9-C2A7936CC7DC}"/>
-              </a:ext>
-            </a:extLst>
-          </p:cNvPr>
-          <p:cNvSpPr/>
-          <p:nvPr/>
-        </p:nvSpPr>
-        <p:spPr>
-          <a:xfrm>
-            <a:off x="5311614" y="3981417"/>
-            <a:ext cx="708186" cy="285783"/>
-          </a:xfrm>
-          <a:prstGeom prst="rect">
-            <a:avLst/>
-          </a:prstGeom>
-          <a:ln w="19050">
-            <a:solidFill>
-              <a:srgbClr val="7030A0"/>
-            </a:solidFill>
-          </a:ln>
-          <a:effectLst/>
-        </p:spPr>
-        <p:style>
-          <a:lnRef idx="1">
-            <a:schemeClr val="accent4"/>
-          </a:lnRef>
-          <a:fillRef idx="2">
-            <a:schemeClr val="accent4"/>
-          </a:fillRef>
-          <a:effectRef idx="1">
-            <a:schemeClr val="accent4"/>
-          </a:effectRef>
-          <a:fontRef idx="minor">
-            <a:schemeClr val="dk1"/>
-          </a:fontRef>
-        </p:style>
-        <p:txBody>
-          <a:bodyPr rtlCol="0" anchor="ctr"/>
-          <a:lstStyle/>
-          <a:p>
-            <a:pPr algn="ctr"/>
-            <a:r>
-              <a:rPr lang="en-US" sz="1050" dirty="0">
-                <a:solidFill>
-                  <a:srgbClr val="7030A0"/>
-                </a:solidFill>
-              </a:rPr>
-              <a:t>Birthday</a:t>
-            </a:r>
-            <a:endParaRPr lang="en-SG" sz="1050" dirty="0">
-              <a:solidFill>
-                <a:srgbClr val="7030A0"/>
-              </a:solidFill>
-            </a:endParaRPr>
-          </a:p>
-        </p:txBody>
-      </p:sp>
       <p:cxnSp>
         <p:nvCxnSpPr>
           <p:cNvPr id="77" name="Elbow Connector 85">
@@ -4242,14 +4181,14 @@
           <p:cNvCxnSpPr>
             <a:cxnSpLocks/>
             <a:stCxn id="78" idx="3"/>
-            <a:endCxn id="55" idx="1"/>
+            <a:endCxn id="28" idx="1"/>
           </p:cNvCxnSpPr>
           <p:nvPr/>
         </p:nvCxnSpPr>
         <p:spPr>
-          <a:xfrm>
-            <a:off x="4877212" y="3487665"/>
-            <a:ext cx="434402" cy="636644"/>
+          <a:xfrm flipV="1">
+            <a:off x="4877212" y="2807143"/>
+            <a:ext cx="524472" cy="680522"/>
           </a:xfrm>
           <a:prstGeom prst="bentConnector3">
             <a:avLst>
@@ -4509,6 +4448,750 @@
           </a:p>
         </p:txBody>
       </p:sp>
+      <p:sp>
+        <p:nvSpPr>
+          <p:cNvPr id="21" name="Rectangle 8">
+            <a:extLst>
+              <a:ext uri="{FF2B5EF4-FFF2-40B4-BE49-F238E27FC236}">
+                <a16:creationId xmlns:a16="http://schemas.microsoft.com/office/drawing/2014/main" id="{CCACE367-7182-45A7-A75F-39C1161FD7DD}"/>
+              </a:ext>
+            </a:extLst>
+          </p:cNvPr>
+          <p:cNvSpPr/>
+          <p:nvPr/>
+        </p:nvSpPr>
+        <p:spPr>
+          <a:xfrm>
+            <a:off x="5410199" y="1752600"/>
+            <a:ext cx="919181" cy="224786"/>
+          </a:xfrm>
+          <a:prstGeom prst="rect">
+            <a:avLst/>
+          </a:prstGeom>
+          <a:ln w="19050">
+            <a:solidFill>
+              <a:srgbClr val="7030A0"/>
+            </a:solidFill>
+          </a:ln>
+          <a:effectLst/>
+        </p:spPr>
+        <p:style>
+          <a:lnRef idx="1">
+            <a:schemeClr val="accent4"/>
+          </a:lnRef>
+          <a:fillRef idx="2">
+            <a:schemeClr val="accent4"/>
+          </a:fillRef>
+          <a:effectRef idx="1">
+            <a:schemeClr val="accent4"/>
+          </a:effectRef>
+          <a:fontRef idx="minor">
+            <a:schemeClr val="dk1"/>
+          </a:fontRef>
+        </p:style>
+        <p:txBody>
+          <a:bodyPr rtlCol="0" anchor="ctr"/>
+          <a:lstStyle/>
+          <a:p>
+            <a:pPr algn="ctr"/>
+            <a:r>
+              <a:rPr lang="en-US" sz="1050" dirty="0">
+                <a:solidFill>
+                  <a:srgbClr val="7030A0"/>
+                </a:solidFill>
+              </a:rPr>
+              <a:t>Name</a:t>
+            </a:r>
+            <a:endParaRPr lang="en-SG" sz="1050" dirty="0">
+              <a:solidFill>
+                <a:srgbClr val="7030A0"/>
+              </a:solidFill>
+            </a:endParaRPr>
+          </a:p>
+        </p:txBody>
+      </p:sp>
+      <p:cxnSp>
+        <p:nvCxnSpPr>
+          <p:cNvPr id="23" name="Elbow Connector 78">
+            <a:extLst>
+              <a:ext uri="{FF2B5EF4-FFF2-40B4-BE49-F238E27FC236}">
+                <a16:creationId xmlns:a16="http://schemas.microsoft.com/office/drawing/2014/main" id="{B5F8090D-9E9A-4C3B-8556-075EB0CF7FD9}"/>
+              </a:ext>
+            </a:extLst>
+          </p:cNvPr>
+          <p:cNvCxnSpPr>
+            <a:cxnSpLocks/>
+            <a:stCxn id="78" idx="3"/>
+            <a:endCxn id="34" idx="1"/>
+          </p:cNvCxnSpPr>
+          <p:nvPr/>
+        </p:nvCxnSpPr>
+        <p:spPr>
+          <a:xfrm>
+            <a:off x="4877212" y="3487665"/>
+            <a:ext cx="521162" cy="199562"/>
+          </a:xfrm>
+          <a:prstGeom prst="bentConnector3">
+            <a:avLst>
+              <a:gd name="adj1" fmla="val 50000"/>
+            </a:avLst>
+          </a:prstGeom>
+          <a:ln w="19050">
+            <a:solidFill>
+              <a:srgbClr val="7030A0"/>
+            </a:solidFill>
+            <a:headEnd type="none" w="med" len="med"/>
+            <a:tailEnd type="arrow" w="med" len="med"/>
+          </a:ln>
+          <a:effectLst/>
+        </p:spPr>
+        <p:style>
+          <a:lnRef idx="1">
+            <a:schemeClr val="accent2"/>
+          </a:lnRef>
+          <a:fillRef idx="2">
+            <a:schemeClr val="accent2"/>
+          </a:fillRef>
+          <a:effectRef idx="1">
+            <a:schemeClr val="accent2"/>
+          </a:effectRef>
+          <a:fontRef idx="minor">
+            <a:schemeClr val="dk1"/>
+          </a:fontRef>
+        </p:style>
+      </p:cxnSp>
+      <p:sp>
+        <p:nvSpPr>
+          <p:cNvPr id="24" name="Rectangle 8">
+            <a:extLst>
+              <a:ext uri="{FF2B5EF4-FFF2-40B4-BE49-F238E27FC236}">
+                <a16:creationId xmlns:a16="http://schemas.microsoft.com/office/drawing/2014/main" id="{7D697207-1217-4BBF-A076-5B48B02C4AEB}"/>
+              </a:ext>
+            </a:extLst>
+          </p:cNvPr>
+          <p:cNvSpPr/>
+          <p:nvPr/>
+        </p:nvSpPr>
+        <p:spPr>
+          <a:xfrm>
+            <a:off x="5401685" y="2077024"/>
+            <a:ext cx="931429" cy="224786"/>
+          </a:xfrm>
+          <a:prstGeom prst="rect">
+            <a:avLst/>
+          </a:prstGeom>
+          <a:ln w="19050">
+            <a:solidFill>
+              <a:srgbClr val="7030A0"/>
+            </a:solidFill>
+          </a:ln>
+          <a:effectLst/>
+        </p:spPr>
+        <p:style>
+          <a:lnRef idx="1">
+            <a:schemeClr val="accent4"/>
+          </a:lnRef>
+          <a:fillRef idx="2">
+            <a:schemeClr val="accent4"/>
+          </a:fillRef>
+          <a:effectRef idx="1">
+            <a:schemeClr val="accent4"/>
+          </a:effectRef>
+          <a:fontRef idx="minor">
+            <a:schemeClr val="dk1"/>
+          </a:fontRef>
+        </p:style>
+        <p:txBody>
+          <a:bodyPr rtlCol="0" anchor="ctr"/>
+          <a:lstStyle/>
+          <a:p>
+            <a:pPr algn="ctr"/>
+            <a:r>
+              <a:rPr lang="en-US" sz="1050" dirty="0">
+                <a:solidFill>
+                  <a:srgbClr val="7030A0"/>
+                </a:solidFill>
+              </a:rPr>
+              <a:t>Phone</a:t>
+            </a:r>
+            <a:endParaRPr lang="en-SG" sz="1050" dirty="0">
+              <a:solidFill>
+                <a:srgbClr val="7030A0"/>
+              </a:solidFill>
+            </a:endParaRPr>
+          </a:p>
+        </p:txBody>
+      </p:sp>
+      <p:sp>
+        <p:nvSpPr>
+          <p:cNvPr id="26" name="Rectangle 8">
+            <a:extLst>
+              <a:ext uri="{FF2B5EF4-FFF2-40B4-BE49-F238E27FC236}">
+                <a16:creationId xmlns:a16="http://schemas.microsoft.com/office/drawing/2014/main" id="{3A6531E9-5908-4153-90C8-6FC618B82352}"/>
+              </a:ext>
+            </a:extLst>
+          </p:cNvPr>
+          <p:cNvSpPr/>
+          <p:nvPr/>
+        </p:nvSpPr>
+        <p:spPr>
+          <a:xfrm>
+            <a:off x="5401684" y="2389244"/>
+            <a:ext cx="931429" cy="224786"/>
+          </a:xfrm>
+          <a:prstGeom prst="rect">
+            <a:avLst/>
+          </a:prstGeom>
+          <a:ln w="19050">
+            <a:solidFill>
+              <a:srgbClr val="7030A0"/>
+            </a:solidFill>
+          </a:ln>
+          <a:effectLst/>
+        </p:spPr>
+        <p:style>
+          <a:lnRef idx="1">
+            <a:schemeClr val="accent4"/>
+          </a:lnRef>
+          <a:fillRef idx="2">
+            <a:schemeClr val="accent4"/>
+          </a:fillRef>
+          <a:effectRef idx="1">
+            <a:schemeClr val="accent4"/>
+          </a:effectRef>
+          <a:fontRef idx="minor">
+            <a:schemeClr val="dk1"/>
+          </a:fontRef>
+        </p:style>
+        <p:txBody>
+          <a:bodyPr rtlCol="0" anchor="ctr"/>
+          <a:lstStyle/>
+          <a:p>
+            <a:pPr algn="ctr"/>
+            <a:r>
+              <a:rPr lang="en-US" sz="1050" dirty="0">
+                <a:solidFill>
+                  <a:srgbClr val="7030A0"/>
+                </a:solidFill>
+              </a:rPr>
+              <a:t>Email</a:t>
+            </a:r>
+            <a:endParaRPr lang="en-SG" sz="1050" dirty="0">
+              <a:solidFill>
+                <a:srgbClr val="7030A0"/>
+              </a:solidFill>
+            </a:endParaRPr>
+          </a:p>
+        </p:txBody>
+      </p:sp>
+      <p:sp>
+        <p:nvSpPr>
+          <p:cNvPr id="28" name="Rectangle 8">
+            <a:extLst>
+              <a:ext uri="{FF2B5EF4-FFF2-40B4-BE49-F238E27FC236}">
+                <a16:creationId xmlns:a16="http://schemas.microsoft.com/office/drawing/2014/main" id="{1B332332-012A-4414-BB02-92982A57E2F6}"/>
+              </a:ext>
+            </a:extLst>
+          </p:cNvPr>
+          <p:cNvSpPr/>
+          <p:nvPr/>
+        </p:nvSpPr>
+        <p:spPr>
+          <a:xfrm>
+            <a:off x="5401684" y="2694750"/>
+            <a:ext cx="931429" cy="224786"/>
+          </a:xfrm>
+          <a:prstGeom prst="rect">
+            <a:avLst/>
+          </a:prstGeom>
+          <a:ln w="19050">
+            <a:solidFill>
+              <a:srgbClr val="7030A0"/>
+            </a:solidFill>
+          </a:ln>
+          <a:effectLst/>
+        </p:spPr>
+        <p:style>
+          <a:lnRef idx="1">
+            <a:schemeClr val="accent4"/>
+          </a:lnRef>
+          <a:fillRef idx="2">
+            <a:schemeClr val="accent4"/>
+          </a:fillRef>
+          <a:effectRef idx="1">
+            <a:schemeClr val="accent4"/>
+          </a:effectRef>
+          <a:fontRef idx="minor">
+            <a:schemeClr val="dk1"/>
+          </a:fontRef>
+        </p:style>
+        <p:txBody>
+          <a:bodyPr rtlCol="0" anchor="ctr"/>
+          <a:lstStyle/>
+          <a:p>
+            <a:pPr algn="ctr"/>
+            <a:r>
+              <a:rPr lang="en-US" sz="1050" dirty="0">
+                <a:solidFill>
+                  <a:srgbClr val="7030A0"/>
+                </a:solidFill>
+              </a:rPr>
+              <a:t>Address</a:t>
+            </a:r>
+            <a:endParaRPr lang="en-SG" sz="1050" dirty="0">
+              <a:solidFill>
+                <a:srgbClr val="7030A0"/>
+              </a:solidFill>
+            </a:endParaRPr>
+          </a:p>
+        </p:txBody>
+      </p:sp>
+      <p:cxnSp>
+        <p:nvCxnSpPr>
+          <p:cNvPr id="29" name="Elbow Connector 85">
+            <a:extLst>
+              <a:ext uri="{FF2B5EF4-FFF2-40B4-BE49-F238E27FC236}">
+                <a16:creationId xmlns:a16="http://schemas.microsoft.com/office/drawing/2014/main" id="{4D5DFD78-D128-463D-AC34-E35E9D9823B7}"/>
+              </a:ext>
+            </a:extLst>
+          </p:cNvPr>
+          <p:cNvCxnSpPr>
+            <a:cxnSpLocks/>
+            <a:stCxn id="78" idx="3"/>
+            <a:endCxn id="32" idx="1"/>
+          </p:cNvCxnSpPr>
+          <p:nvPr/>
+        </p:nvCxnSpPr>
+        <p:spPr>
+          <a:xfrm>
+            <a:off x="4877212" y="3487665"/>
+            <a:ext cx="515636" cy="487320"/>
+          </a:xfrm>
+          <a:prstGeom prst="bentConnector3">
+            <a:avLst>
+              <a:gd name="adj1" fmla="val 50000"/>
+            </a:avLst>
+          </a:prstGeom>
+          <a:ln w="19050">
+            <a:solidFill>
+              <a:srgbClr val="7030A0"/>
+            </a:solidFill>
+            <a:headEnd type="none" w="med" len="med"/>
+            <a:tailEnd type="arrow" w="med" len="med"/>
+          </a:ln>
+          <a:effectLst/>
+        </p:spPr>
+        <p:style>
+          <a:lnRef idx="1">
+            <a:schemeClr val="accent2"/>
+          </a:lnRef>
+          <a:fillRef idx="2">
+            <a:schemeClr val="accent2"/>
+          </a:fillRef>
+          <a:effectRef idx="1">
+            <a:schemeClr val="accent2"/>
+          </a:effectRef>
+          <a:fontRef idx="minor">
+            <a:schemeClr val="dk1"/>
+          </a:fontRef>
+        </p:style>
+      </p:cxnSp>
+      <p:sp>
+        <p:nvSpPr>
+          <p:cNvPr id="30" name="Rectangle 8">
+            <a:extLst>
+              <a:ext uri="{FF2B5EF4-FFF2-40B4-BE49-F238E27FC236}">
+                <a16:creationId xmlns:a16="http://schemas.microsoft.com/office/drawing/2014/main" id="{8ADE852A-6D50-4B5C-87B0-D34C0F9CE1B7}"/>
+              </a:ext>
+            </a:extLst>
+          </p:cNvPr>
+          <p:cNvSpPr/>
+          <p:nvPr/>
+        </p:nvSpPr>
+        <p:spPr>
+          <a:xfrm>
+            <a:off x="5409120" y="2986764"/>
+            <a:ext cx="921340" cy="222234"/>
+          </a:xfrm>
+          <a:prstGeom prst="rect">
+            <a:avLst/>
+          </a:prstGeom>
+          <a:ln w="19050">
+            <a:solidFill>
+              <a:srgbClr val="7030A0"/>
+            </a:solidFill>
+          </a:ln>
+          <a:effectLst/>
+        </p:spPr>
+        <p:style>
+          <a:lnRef idx="1">
+            <a:schemeClr val="accent4"/>
+          </a:lnRef>
+          <a:fillRef idx="2">
+            <a:schemeClr val="accent4"/>
+          </a:fillRef>
+          <a:effectRef idx="1">
+            <a:schemeClr val="accent4"/>
+          </a:effectRef>
+          <a:fontRef idx="minor">
+            <a:schemeClr val="dk1"/>
+          </a:fontRef>
+        </p:style>
+        <p:txBody>
+          <a:bodyPr rtlCol="0" anchor="ctr"/>
+          <a:lstStyle/>
+          <a:p>
+            <a:pPr algn="ctr"/>
+            <a:r>
+              <a:rPr lang="en-US" sz="1050" dirty="0">
+                <a:solidFill>
+                  <a:srgbClr val="7030A0"/>
+                </a:solidFill>
+              </a:rPr>
+              <a:t>Birthday</a:t>
+            </a:r>
+            <a:endParaRPr lang="en-SG" sz="1050" dirty="0">
+              <a:solidFill>
+                <a:srgbClr val="7030A0"/>
+              </a:solidFill>
+            </a:endParaRPr>
+          </a:p>
+        </p:txBody>
+      </p:sp>
+      <p:sp>
+        <p:nvSpPr>
+          <p:cNvPr id="32" name="Rectangle 8">
+            <a:extLst>
+              <a:ext uri="{FF2B5EF4-FFF2-40B4-BE49-F238E27FC236}">
+                <a16:creationId xmlns:a16="http://schemas.microsoft.com/office/drawing/2014/main" id="{43C2640B-5462-40A8-8176-686CD8C67809}"/>
+              </a:ext>
+            </a:extLst>
+          </p:cNvPr>
+          <p:cNvSpPr/>
+          <p:nvPr/>
+        </p:nvSpPr>
+        <p:spPr>
+          <a:xfrm>
+            <a:off x="5392848" y="3862592"/>
+            <a:ext cx="940266" cy="224786"/>
+          </a:xfrm>
+          <a:prstGeom prst="rect">
+            <a:avLst/>
+          </a:prstGeom>
+          <a:ln w="19050">
+            <a:solidFill>
+              <a:srgbClr val="7030A0"/>
+            </a:solidFill>
+          </a:ln>
+          <a:effectLst/>
+        </p:spPr>
+        <p:style>
+          <a:lnRef idx="1">
+            <a:schemeClr val="accent4"/>
+          </a:lnRef>
+          <a:fillRef idx="2">
+            <a:schemeClr val="accent4"/>
+          </a:fillRef>
+          <a:effectRef idx="1">
+            <a:schemeClr val="accent4"/>
+          </a:effectRef>
+          <a:fontRef idx="minor">
+            <a:schemeClr val="dk1"/>
+          </a:fontRef>
+        </p:style>
+        <p:txBody>
+          <a:bodyPr rtlCol="0" anchor="ctr"/>
+          <a:lstStyle/>
+          <a:p>
+            <a:pPr algn="ctr"/>
+            <a:r>
+              <a:rPr lang="en-US" sz="1050">
+                <a:solidFill>
+                  <a:srgbClr val="7030A0"/>
+                </a:solidFill>
+              </a:rPr>
+              <a:t>Display Pic</a:t>
+            </a:r>
+            <a:endParaRPr lang="en-SG" sz="1050" dirty="0">
+              <a:solidFill>
+                <a:srgbClr val="7030A0"/>
+              </a:solidFill>
+            </a:endParaRPr>
+          </a:p>
+        </p:txBody>
+      </p:sp>
+      <p:sp>
+        <p:nvSpPr>
+          <p:cNvPr id="34" name="Rectangle 8">
+            <a:extLst>
+              <a:ext uri="{FF2B5EF4-FFF2-40B4-BE49-F238E27FC236}">
+                <a16:creationId xmlns:a16="http://schemas.microsoft.com/office/drawing/2014/main" id="{CF3384B6-E65B-486D-9186-E82BA69D46E1}"/>
+              </a:ext>
+            </a:extLst>
+          </p:cNvPr>
+          <p:cNvSpPr/>
+          <p:nvPr/>
+        </p:nvSpPr>
+        <p:spPr>
+          <a:xfrm>
+            <a:off x="5398374" y="3574834"/>
+            <a:ext cx="931429" cy="224786"/>
+          </a:xfrm>
+          <a:prstGeom prst="rect">
+            <a:avLst/>
+          </a:prstGeom>
+          <a:ln w="19050">
+            <a:solidFill>
+              <a:srgbClr val="7030A0"/>
+            </a:solidFill>
+          </a:ln>
+          <a:effectLst/>
+        </p:spPr>
+        <p:style>
+          <a:lnRef idx="1">
+            <a:schemeClr val="accent4"/>
+          </a:lnRef>
+          <a:fillRef idx="2">
+            <a:schemeClr val="accent4"/>
+          </a:fillRef>
+          <a:effectRef idx="1">
+            <a:schemeClr val="accent4"/>
+          </a:effectRef>
+          <a:fontRef idx="minor">
+            <a:schemeClr val="dk1"/>
+          </a:fontRef>
+        </p:style>
+        <p:txBody>
+          <a:bodyPr rtlCol="0" anchor="ctr"/>
+          <a:lstStyle/>
+          <a:p>
+            <a:pPr algn="ctr"/>
+            <a:r>
+              <a:rPr lang="en-US" sz="1050" dirty="0">
+                <a:solidFill>
+                  <a:srgbClr val="7030A0"/>
+                </a:solidFill>
+              </a:rPr>
+              <a:t>Twitter</a:t>
+            </a:r>
+            <a:endParaRPr lang="en-SG" sz="1050" dirty="0">
+              <a:solidFill>
+                <a:srgbClr val="7030A0"/>
+              </a:solidFill>
+            </a:endParaRPr>
+          </a:p>
+        </p:txBody>
+      </p:sp>
+      <p:sp>
+        <p:nvSpPr>
+          <p:cNvPr id="35" name="Rectangle 8">
+            <a:extLst>
+              <a:ext uri="{FF2B5EF4-FFF2-40B4-BE49-F238E27FC236}">
+                <a16:creationId xmlns:a16="http://schemas.microsoft.com/office/drawing/2014/main" id="{367E478C-D8C2-4FBE-94AB-0F4BEF679BF9}"/>
+              </a:ext>
+            </a:extLst>
+          </p:cNvPr>
+          <p:cNvSpPr/>
+          <p:nvPr/>
+        </p:nvSpPr>
+        <p:spPr>
+          <a:xfrm>
+            <a:off x="5398374" y="3265041"/>
+            <a:ext cx="921340" cy="224786"/>
+          </a:xfrm>
+          <a:prstGeom prst="rect">
+            <a:avLst/>
+          </a:prstGeom>
+          <a:ln w="19050">
+            <a:solidFill>
+              <a:srgbClr val="7030A0"/>
+            </a:solidFill>
+          </a:ln>
+          <a:effectLst/>
+        </p:spPr>
+        <p:style>
+          <a:lnRef idx="1">
+            <a:schemeClr val="accent4"/>
+          </a:lnRef>
+          <a:fillRef idx="2">
+            <a:schemeClr val="accent4"/>
+          </a:fillRef>
+          <a:effectRef idx="1">
+            <a:schemeClr val="accent4"/>
+          </a:effectRef>
+          <a:fontRef idx="minor">
+            <a:schemeClr val="dk1"/>
+          </a:fontRef>
+        </p:style>
+        <p:txBody>
+          <a:bodyPr rtlCol="0" anchor="ctr"/>
+          <a:lstStyle/>
+          <a:p>
+            <a:pPr algn="ctr"/>
+            <a:r>
+              <a:rPr lang="en-US" sz="1050" dirty="0">
+                <a:solidFill>
+                  <a:srgbClr val="7030A0"/>
+                </a:solidFill>
+              </a:rPr>
+              <a:t>Instagram</a:t>
+            </a:r>
+            <a:endParaRPr lang="en-SG" sz="1050" dirty="0">
+              <a:solidFill>
+                <a:srgbClr val="7030A0"/>
+              </a:solidFill>
+            </a:endParaRPr>
+          </a:p>
+        </p:txBody>
+      </p:sp>
+      <p:cxnSp>
+        <p:nvCxnSpPr>
+          <p:cNvPr id="36" name="Elbow Connector 85">
+            <a:extLst>
+              <a:ext uri="{FF2B5EF4-FFF2-40B4-BE49-F238E27FC236}">
+                <a16:creationId xmlns:a16="http://schemas.microsoft.com/office/drawing/2014/main" id="{EF8E8B66-4448-4CC8-8E30-3DB409830C20}"/>
+              </a:ext>
+            </a:extLst>
+          </p:cNvPr>
+          <p:cNvCxnSpPr>
+            <a:cxnSpLocks/>
+          </p:cNvCxnSpPr>
+          <p:nvPr/>
+        </p:nvCxnSpPr>
+        <p:spPr>
+          <a:xfrm>
+            <a:off x="9525000" y="3406561"/>
+            <a:ext cx="920337" cy="184363"/>
+          </a:xfrm>
+          <a:prstGeom prst="bentConnector3">
+            <a:avLst>
+              <a:gd name="adj1" fmla="val 50000"/>
+            </a:avLst>
+          </a:prstGeom>
+          <a:ln w="19050">
+            <a:solidFill>
+              <a:srgbClr val="7030A0"/>
+            </a:solidFill>
+            <a:headEnd type="none" w="med" len="med"/>
+            <a:tailEnd type="arrow" w="med" len="med"/>
+          </a:ln>
+          <a:effectLst/>
+        </p:spPr>
+        <p:style>
+          <a:lnRef idx="1">
+            <a:schemeClr val="accent2"/>
+          </a:lnRef>
+          <a:fillRef idx="2">
+            <a:schemeClr val="accent2"/>
+          </a:fillRef>
+          <a:effectRef idx="1">
+            <a:schemeClr val="accent2"/>
+          </a:effectRef>
+          <a:fontRef idx="minor">
+            <a:schemeClr val="dk1"/>
+          </a:fontRef>
+        </p:style>
+      </p:cxnSp>
+      <p:cxnSp>
+        <p:nvCxnSpPr>
+          <p:cNvPr id="37" name="Elbow Connector 85">
+            <a:extLst>
+              <a:ext uri="{FF2B5EF4-FFF2-40B4-BE49-F238E27FC236}">
+                <a16:creationId xmlns:a16="http://schemas.microsoft.com/office/drawing/2014/main" id="{1C1FB392-BAB5-4C82-9385-8DBAB042E09E}"/>
+              </a:ext>
+            </a:extLst>
+          </p:cNvPr>
+          <p:cNvCxnSpPr>
+            <a:cxnSpLocks/>
+            <a:stCxn id="78" idx="3"/>
+            <a:endCxn id="35" idx="1"/>
+          </p:cNvCxnSpPr>
+          <p:nvPr/>
+        </p:nvCxnSpPr>
+        <p:spPr>
+          <a:xfrm flipV="1">
+            <a:off x="4877212" y="3377434"/>
+            <a:ext cx="521162" cy="110231"/>
+          </a:xfrm>
+          <a:prstGeom prst="bentConnector3">
+            <a:avLst>
+              <a:gd name="adj1" fmla="val 50000"/>
+            </a:avLst>
+          </a:prstGeom>
+          <a:ln w="19050">
+            <a:solidFill>
+              <a:srgbClr val="7030A0"/>
+            </a:solidFill>
+            <a:headEnd type="none" w="med" len="med"/>
+            <a:tailEnd type="arrow" w="med" len="med"/>
+          </a:ln>
+          <a:effectLst/>
+        </p:spPr>
+        <p:style>
+          <a:lnRef idx="1">
+            <a:schemeClr val="accent2"/>
+          </a:lnRef>
+          <a:fillRef idx="2">
+            <a:schemeClr val="accent2"/>
+          </a:fillRef>
+          <a:effectRef idx="1">
+            <a:schemeClr val="accent2"/>
+          </a:effectRef>
+          <a:fontRef idx="minor">
+            <a:schemeClr val="dk1"/>
+          </a:fontRef>
+        </p:style>
+      </p:cxnSp>
+      <p:cxnSp>
+        <p:nvCxnSpPr>
+          <p:cNvPr id="65" name="Elbow Connector 85">
+            <a:extLst>
+              <a:ext uri="{FF2B5EF4-FFF2-40B4-BE49-F238E27FC236}">
+                <a16:creationId xmlns:a16="http://schemas.microsoft.com/office/drawing/2014/main" id="{20B8CEC0-7681-42CC-8BF3-73ECD6D489DA}"/>
+              </a:ext>
+            </a:extLst>
+          </p:cNvPr>
+          <p:cNvCxnSpPr>
+            <a:cxnSpLocks/>
+            <a:stCxn id="78" idx="3"/>
+            <a:endCxn id="30" idx="1"/>
+          </p:cNvCxnSpPr>
+          <p:nvPr/>
+        </p:nvCxnSpPr>
+        <p:spPr>
+          <a:xfrm flipV="1">
+            <a:off x="4877212" y="3097881"/>
+            <a:ext cx="531908" cy="389784"/>
+          </a:xfrm>
+          <a:prstGeom prst="bentConnector3">
+            <a:avLst>
+              <a:gd name="adj1" fmla="val 50000"/>
+            </a:avLst>
+          </a:prstGeom>
+          <a:ln w="19050">
+            <a:solidFill>
+              <a:srgbClr val="7030A0"/>
+            </a:solidFill>
+            <a:headEnd type="none" w="med" len="med"/>
+            <a:tailEnd type="arrow" w="med" len="med"/>
+          </a:ln>
+          <a:effectLst/>
+        </p:spPr>
+        <p:style>
+          <a:lnRef idx="1">
+            <a:schemeClr val="accent2"/>
+          </a:lnRef>
+          <a:fillRef idx="2">
+            <a:schemeClr val="accent2"/>
+          </a:fillRef>
+          <a:effectRef idx="1">
+            <a:schemeClr val="accent2"/>
+          </a:effectRef>
+          <a:fontRef idx="minor">
+            <a:schemeClr val="dk1"/>
+          </a:fontRef>
+        </p:style>
+      </p:cxnSp>
     </p:spTree>
     <p:extLst>
       <p:ext uri="{BB962C8B-B14F-4D97-AF65-F5344CB8AC3E}">
